--- a/presentation.pptx
+++ b/presentation.pptx
@@ -770,7 +770,7 @@
         <p:spPr>
           <a:xfrm>
             <a:off x="1056860" y="5876539"/>
-            <a:ext cx="5602357" cy="1200329"/>
+            <a:ext cx="5602357" cy="369332"/>
           </a:xfrm>
           <a:prstGeom prst="rect">
             <a:avLst/>
@@ -782,232 +782,6 @@
             <a:spAutoFit/>
           </a:bodyPr>
           <a:lstStyle/>
-          <a:p>
-            <a:r>
-              <a:rPr lang="zh-CN" altLang="en-US" dirty="0">
-                <a:solidFill>
-                  <a:schemeClr val="bg1">
-                    <a:lumMod val="50000"/>
-                  </a:schemeClr>
-                </a:solidFill>
-                <a:latin typeface="Microsoft YaHei UI" panose="020B0503020204020204" pitchFamily="34" charset="-122"/>
-                <a:ea typeface="Microsoft YaHei UI" panose="020B0503020204020204" pitchFamily="34" charset="-122"/>
-              </a:rPr>
-              <a:t>小组成员： </a:t>
-            </a:r>
-            <a:endParaRPr lang="en-US" altLang="zh-CN" dirty="0">
-              <a:solidFill>
-                <a:schemeClr val="bg1">
-                  <a:lumMod val="50000"/>
-                </a:schemeClr>
-              </a:solidFill>
-              <a:latin typeface="Microsoft YaHei UI" panose="020B0503020204020204" pitchFamily="34" charset="-122"/>
-              <a:ea typeface="Microsoft YaHei UI" panose="020B0503020204020204" pitchFamily="34" charset="-122"/>
-            </a:endParaRPr>
-          </a:p>
-          <a:p>
-            <a:r>
-              <a:rPr lang="zh-CN" altLang="en-US" dirty="0">
-                <a:solidFill>
-                  <a:schemeClr val="bg1">
-                    <a:lumMod val="50000"/>
-                  </a:schemeClr>
-                </a:solidFill>
-                <a:latin typeface="Microsoft YaHei UI" panose="020B0503020204020204" pitchFamily="34" charset="-122"/>
-                <a:ea typeface="Microsoft YaHei UI" panose="020B0503020204020204" pitchFamily="34" charset="-122"/>
-              </a:rPr>
-              <a:t>黎志华 </a:t>
-            </a:r>
-            <a:r>
-              <a:rPr lang="en-US" altLang="zh-CN" dirty="0">
-                <a:solidFill>
-                  <a:schemeClr val="bg1">
-                    <a:lumMod val="50000"/>
-                  </a:schemeClr>
-                </a:solidFill>
-                <a:latin typeface="Microsoft YaHei UI" panose="020B0503020204020204" pitchFamily="34" charset="-122"/>
-                <a:ea typeface="Microsoft YaHei UI" panose="020B0503020204020204" pitchFamily="34" charset="-122"/>
-              </a:rPr>
-              <a:t>	50%	</a:t>
-            </a:r>
-            <a:r>
-              <a:rPr lang="zh-CN" altLang="en-US" dirty="0">
-                <a:solidFill>
-                  <a:schemeClr val="bg1">
-                    <a:lumMod val="50000"/>
-                  </a:schemeClr>
-                </a:solidFill>
-                <a:latin typeface="Microsoft YaHei UI" panose="020B0503020204020204" pitchFamily="34" charset="-122"/>
-                <a:ea typeface="Microsoft YaHei UI" panose="020B0503020204020204" pitchFamily="34" charset="-122"/>
-              </a:rPr>
-              <a:t>（可视化、</a:t>
-            </a:r>
-            <a:r>
-              <a:rPr lang="en-US" altLang="zh-CN" dirty="0">
-                <a:solidFill>
-                  <a:schemeClr val="bg1">
-                    <a:lumMod val="50000"/>
-                  </a:schemeClr>
-                </a:solidFill>
-                <a:latin typeface="Microsoft YaHei UI" panose="020B0503020204020204" pitchFamily="34" charset="-122"/>
-                <a:ea typeface="Microsoft YaHei UI" panose="020B0503020204020204" pitchFamily="34" charset="-122"/>
-              </a:rPr>
-              <a:t>Task4</a:t>
-            </a:r>
-            <a:r>
-              <a:rPr lang="zh-CN" altLang="en-US" dirty="0">
-                <a:solidFill>
-                  <a:schemeClr val="bg1">
-                    <a:lumMod val="50000"/>
-                  </a:schemeClr>
-                </a:solidFill>
-                <a:latin typeface="Microsoft YaHei UI" panose="020B0503020204020204" pitchFamily="34" charset="-122"/>
-                <a:ea typeface="Microsoft YaHei UI" panose="020B0503020204020204" pitchFamily="34" charset="-122"/>
-              </a:rPr>
-              <a:t>、</a:t>
-            </a:r>
-            <a:r>
-              <a:rPr lang="en-US" altLang="zh-CN" dirty="0" err="1">
-                <a:solidFill>
-                  <a:schemeClr val="bg1">
-                    <a:lumMod val="50000"/>
-                  </a:schemeClr>
-                </a:solidFill>
-                <a:latin typeface="Microsoft YaHei UI" panose="020B0503020204020204" pitchFamily="34" charset="-122"/>
-                <a:ea typeface="Microsoft YaHei UI" panose="020B0503020204020204" pitchFamily="34" charset="-122"/>
-              </a:rPr>
-              <a:t>Slides&amp;Pre</a:t>
-            </a:r>
-            <a:r>
-              <a:rPr lang="zh-CN" altLang="en-US" dirty="0">
-                <a:solidFill>
-                  <a:schemeClr val="bg1">
-                    <a:lumMod val="50000"/>
-                  </a:schemeClr>
-                </a:solidFill>
-                <a:latin typeface="Microsoft YaHei UI" panose="020B0503020204020204" pitchFamily="34" charset="-122"/>
-                <a:ea typeface="Microsoft YaHei UI" panose="020B0503020204020204" pitchFamily="34" charset="-122"/>
-              </a:rPr>
-              <a:t>） 凌硕</a:t>
-            </a:r>
-            <a:r>
-              <a:rPr lang="en-US" altLang="zh-CN" dirty="0">
-                <a:solidFill>
-                  <a:schemeClr val="bg1">
-                    <a:lumMod val="50000"/>
-                  </a:schemeClr>
-                </a:solidFill>
-                <a:latin typeface="Microsoft YaHei UI" panose="020B0503020204020204" pitchFamily="34" charset="-122"/>
-                <a:ea typeface="Microsoft YaHei UI" panose="020B0503020204020204" pitchFamily="34" charset="-122"/>
-              </a:rPr>
-              <a:t>	50%	</a:t>
-            </a:r>
-            <a:r>
-              <a:rPr lang="zh-CN" altLang="en-US" dirty="0">
-                <a:solidFill>
-                  <a:schemeClr val="bg1">
-                    <a:lumMod val="50000"/>
-                  </a:schemeClr>
-                </a:solidFill>
-                <a:latin typeface="Microsoft YaHei UI" panose="020B0503020204020204" pitchFamily="34" charset="-122"/>
-                <a:ea typeface="Microsoft YaHei UI" panose="020B0503020204020204" pitchFamily="34" charset="-122"/>
-              </a:rPr>
-              <a:t>  </a:t>
-            </a:r>
-            <a:r>
-              <a:rPr lang="en-US" altLang="zh-CN" dirty="0">
-                <a:solidFill>
-                  <a:schemeClr val="bg1">
-                    <a:lumMod val="50000"/>
-                  </a:schemeClr>
-                </a:solidFill>
-                <a:latin typeface="Microsoft YaHei UI" panose="020B0503020204020204" pitchFamily="34" charset="-122"/>
-                <a:ea typeface="Microsoft YaHei UI" panose="020B0503020204020204" pitchFamily="34" charset="-122"/>
-              </a:rPr>
-              <a:t>(Task1</a:t>
-            </a:r>
-            <a:r>
-              <a:rPr lang="zh-CN" altLang="en-US" dirty="0">
-                <a:solidFill>
-                  <a:schemeClr val="bg1">
-                    <a:lumMod val="50000"/>
-                  </a:schemeClr>
-                </a:solidFill>
-                <a:latin typeface="Microsoft YaHei UI" panose="020B0503020204020204" pitchFamily="34" charset="-122"/>
-                <a:ea typeface="Microsoft YaHei UI" panose="020B0503020204020204" pitchFamily="34" charset="-122"/>
-              </a:rPr>
-              <a:t>、</a:t>
-            </a:r>
-            <a:r>
-              <a:rPr lang="en-US" altLang="zh-CN" dirty="0">
-                <a:solidFill>
-                  <a:schemeClr val="bg1">
-                    <a:lumMod val="50000"/>
-                  </a:schemeClr>
-                </a:solidFill>
-                <a:latin typeface="Microsoft YaHei UI" panose="020B0503020204020204" pitchFamily="34" charset="-122"/>
-                <a:ea typeface="Microsoft YaHei UI" panose="020B0503020204020204" pitchFamily="34" charset="-122"/>
-              </a:rPr>
-              <a:t>2</a:t>
-            </a:r>
-            <a:r>
-              <a:rPr lang="zh-CN" altLang="en-US" dirty="0">
-                <a:solidFill>
-                  <a:schemeClr val="bg1">
-                    <a:lumMod val="50000"/>
-                  </a:schemeClr>
-                </a:solidFill>
-                <a:latin typeface="Microsoft YaHei UI" panose="020B0503020204020204" pitchFamily="34" charset="-122"/>
-                <a:ea typeface="Microsoft YaHei UI" panose="020B0503020204020204" pitchFamily="34" charset="-122"/>
-              </a:rPr>
-              <a:t>、</a:t>
-            </a:r>
-            <a:r>
-              <a:rPr lang="en-US" altLang="zh-CN" dirty="0">
-                <a:solidFill>
-                  <a:schemeClr val="bg1">
-                    <a:lumMod val="50000"/>
-                  </a:schemeClr>
-                </a:solidFill>
-                <a:latin typeface="Microsoft YaHei UI" panose="020B0503020204020204" pitchFamily="34" charset="-122"/>
-                <a:ea typeface="Microsoft YaHei UI" panose="020B0503020204020204" pitchFamily="34" charset="-122"/>
-              </a:rPr>
-              <a:t>3</a:t>
-            </a:r>
-            <a:r>
-              <a:rPr lang="zh-CN" altLang="en-US" dirty="0">
-                <a:solidFill>
-                  <a:schemeClr val="bg1">
-                    <a:lumMod val="50000"/>
-                  </a:schemeClr>
-                </a:solidFill>
-                <a:latin typeface="Microsoft YaHei UI" panose="020B0503020204020204" pitchFamily="34" charset="-122"/>
-                <a:ea typeface="Microsoft YaHei UI" panose="020B0503020204020204" pitchFamily="34" charset="-122"/>
-              </a:rPr>
-              <a:t>、</a:t>
-            </a:r>
-            <a:r>
-              <a:rPr lang="en-US" altLang="zh-CN">
-                <a:solidFill>
-                  <a:schemeClr val="bg1">
-                    <a:lumMod val="50000"/>
-                  </a:schemeClr>
-                </a:solidFill>
-                <a:latin typeface="Microsoft YaHei UI" panose="020B0503020204020204" pitchFamily="34" charset="-122"/>
-                <a:ea typeface="Microsoft YaHei UI" panose="020B0503020204020204" pitchFamily="34" charset="-122"/>
-              </a:rPr>
-              <a:t>5)</a:t>
-            </a:r>
-            <a:endParaRPr lang="en-US" altLang="zh-CN" dirty="0">
-              <a:solidFill>
-                <a:schemeClr val="bg1">
-                  <a:lumMod val="50000"/>
-                </a:schemeClr>
-              </a:solidFill>
-              <a:latin typeface="Microsoft YaHei UI" panose="020B0503020204020204" pitchFamily="34" charset="-122"/>
-              <a:ea typeface="Microsoft YaHei UI" panose="020B0503020204020204" pitchFamily="34" charset="-122"/>
-            </a:endParaRPr>
-          </a:p>
           <a:p>
             <a:r>
               <a:rPr lang="zh-CN" altLang="en-US" dirty="0">
